--- a/5-Presentation/Presentation.pptx
+++ b/5-Presentation/Presentation.pptx
@@ -5,10 +5,10 @@
     <p:sldMasterId id="2147483648" r:id="rId4"/>
   </p:sldMasterIdLst>
   <p:notesMasterIdLst>
-    <p:notesMasterId r:id="rId41"/>
+    <p:notesMasterId r:id="rId42"/>
   </p:notesMasterIdLst>
   <p:handoutMasterIdLst>
-    <p:handoutMasterId r:id="rId42"/>
+    <p:handoutMasterId r:id="rId43"/>
   </p:handoutMasterIdLst>
   <p:sldIdLst>
     <p:sldId id="256" r:id="rId5"/>
@@ -46,7 +46,8 @@
     <p:sldId id="302" r:id="rId37"/>
     <p:sldId id="303" r:id="rId38"/>
     <p:sldId id="304" r:id="rId39"/>
-    <p:sldId id="271" r:id="rId40"/>
+    <p:sldId id="315" r:id="rId40"/>
+    <p:sldId id="271" r:id="rId41"/>
   </p:sldIdLst>
   <p:sldSz cx="12192000" cy="6858000"/>
   <p:notesSz cx="6858000" cy="9144000"/>
@@ -3112,6 +3113,90 @@
             <a:fld id="{22289C57-55D7-40A4-A101-E74FAC7A092B}" type="slidenum">
               <a:rPr lang="en-US" smtClean="0"/>
               <a:t>36</a:t>
+            </a:fld>
+            <a:endParaRPr lang="en-US" dirty="0"/>
+          </a:p>
+        </p:txBody>
+      </p:sp>
+    </p:spTree>
+    <p:extLst>
+      <p:ext uri="{BB962C8B-B14F-4D97-AF65-F5344CB8AC3E}">
+        <p14:creationId xmlns:p14="http://schemas.microsoft.com/office/powerpoint/2010/main" val="2301332830"/>
+      </p:ext>
+    </p:extLst>
+  </p:cSld>
+  <p:clrMapOvr>
+    <a:masterClrMapping/>
+  </p:clrMapOvr>
+</p:notes>
+</file>
+
+<file path=ppt/notesSlides/notesSlide36.xml><?xml version="1.0" encoding="utf-8"?>
+<p:notes xmlns:a="http://schemas.openxmlformats.org/drawingml/2006/main" xmlns:r="http://schemas.openxmlformats.org/officeDocument/2006/relationships" xmlns:p="http://schemas.openxmlformats.org/presentationml/2006/main">
+  <p:cSld>
+    <p:spTree>
+      <p:nvGrpSpPr>
+        <p:cNvPr id="1" name=""/>
+        <p:cNvGrpSpPr/>
+        <p:nvPr/>
+      </p:nvGrpSpPr>
+      <p:grpSpPr>
+        <a:xfrm>
+          <a:off x="0" y="0"/>
+          <a:ext cx="0" cy="0"/>
+          <a:chOff x="0" y="0"/>
+          <a:chExt cx="0" cy="0"/>
+        </a:xfrm>
+      </p:grpSpPr>
+      <p:sp>
+        <p:nvSpPr>
+          <p:cNvPr id="2" name="Slide Image Placeholder 1"/>
+          <p:cNvSpPr>
+            <a:spLocks noGrp="1" noRot="1" noChangeAspect="1"/>
+          </p:cNvSpPr>
+          <p:nvPr>
+            <p:ph type="sldImg"/>
+          </p:nvPr>
+        </p:nvSpPr>
+        <p:spPr/>
+      </p:sp>
+      <p:sp>
+        <p:nvSpPr>
+          <p:cNvPr id="3" name="Notes Placeholder 2"/>
+          <p:cNvSpPr>
+            <a:spLocks noGrp="1"/>
+          </p:cNvSpPr>
+          <p:nvPr>
+            <p:ph type="body" idx="1"/>
+          </p:nvPr>
+        </p:nvSpPr>
+        <p:spPr/>
+        <p:txBody>
+          <a:bodyPr/>
+          <a:lstStyle/>
+          <a:p>
+            <a:endParaRPr lang="en-US" dirty="0"/>
+          </a:p>
+        </p:txBody>
+      </p:sp>
+      <p:sp>
+        <p:nvSpPr>
+          <p:cNvPr id="4" name="Slide Number Placeholder 3"/>
+          <p:cNvSpPr>
+            <a:spLocks noGrp="1"/>
+          </p:cNvSpPr>
+          <p:nvPr>
+            <p:ph type="sldNum" sz="quarter" idx="5"/>
+          </p:nvPr>
+        </p:nvSpPr>
+        <p:spPr/>
+        <p:txBody>
+          <a:bodyPr/>
+          <a:lstStyle/>
+          <a:p>
+            <a:fld id="{22289C57-55D7-40A4-A101-E74FAC7A092B}" type="slidenum">
+              <a:rPr lang="en-US" smtClean="0"/>
+              <a:t>37</a:t>
             </a:fld>
             <a:endParaRPr lang="en-US" dirty="0"/>
           </a:p>
@@ -13912,6 +13997,170 @@
           <p:cNvPr id="2" name="Title 1">
             <a:extLst>
               <a:ext uri="{FF2B5EF4-FFF2-40B4-BE49-F238E27FC236}">
+                <a16:creationId xmlns:a16="http://schemas.microsoft.com/office/drawing/2014/main" id="{A95E2E6A-35EC-1B8E-0FD7-8C67870ACA64}"/>
+              </a:ext>
+            </a:extLst>
+          </p:cNvPr>
+          <p:cNvSpPr>
+            <a:spLocks noGrp="1"/>
+          </p:cNvSpPr>
+          <p:nvPr>
+            <p:ph type="title"/>
+          </p:nvPr>
+        </p:nvSpPr>
+        <p:spPr>
+          <a:xfrm>
+            <a:off x="1962150" y="1010751"/>
+            <a:ext cx="7070382" cy="1460263"/>
+          </a:xfrm>
+        </p:spPr>
+        <p:txBody>
+          <a:bodyPr/>
+          <a:lstStyle/>
+          <a:p>
+            <a:r>
+              <a:rPr lang="en-US" dirty="0"/>
+              <a:t>References</a:t>
+            </a:r>
+          </a:p>
+        </p:txBody>
+      </p:sp>
+      <p:sp>
+        <p:nvSpPr>
+          <p:cNvPr id="8" name="Slide Number Placeholder 7">
+            <a:extLst>
+              <a:ext uri="{FF2B5EF4-FFF2-40B4-BE49-F238E27FC236}">
+                <a16:creationId xmlns:a16="http://schemas.microsoft.com/office/drawing/2014/main" id="{8F44A959-C2BB-9170-C99C-1A2EDB71B994}"/>
+              </a:ext>
+            </a:extLst>
+          </p:cNvPr>
+          <p:cNvSpPr>
+            <a:spLocks noGrp="1"/>
+          </p:cNvSpPr>
+          <p:nvPr>
+            <p:ph type="sldNum" sz="quarter" idx="12"/>
+          </p:nvPr>
+        </p:nvSpPr>
+        <p:spPr>
+          <a:xfrm>
+            <a:off x="10373350" y="6356349"/>
+            <a:ext cx="987552" cy="365125"/>
+          </a:xfrm>
+        </p:spPr>
+        <p:txBody>
+          <a:bodyPr/>
+          <a:lstStyle/>
+          <a:p>
+            <a:fld id="{A49DFD55-3C28-40EF-9E31-A92D2E4017FF}" type="slidenum">
+              <a:rPr lang="en-US" smtClean="0"/>
+              <a:pPr/>
+              <a:t>36</a:t>
+            </a:fld>
+            <a:endParaRPr lang="en-US" dirty="0"/>
+          </a:p>
+        </p:txBody>
+      </p:sp>
+      <p:sp>
+        <p:nvSpPr>
+          <p:cNvPr id="5" name="Content Placeholder 4">
+            <a:extLst>
+              <a:ext uri="{FF2B5EF4-FFF2-40B4-BE49-F238E27FC236}">
+                <a16:creationId xmlns:a16="http://schemas.microsoft.com/office/drawing/2014/main" id="{01DCCF71-E99F-C759-E492-864C4396042F}"/>
+              </a:ext>
+            </a:extLst>
+          </p:cNvPr>
+          <p:cNvSpPr>
+            <a:spLocks noGrp="1"/>
+          </p:cNvSpPr>
+          <p:nvPr>
+            <p:ph sz="half" idx="13"/>
+          </p:nvPr>
+        </p:nvSpPr>
+        <p:spPr>
+          <a:xfrm>
+            <a:off x="2311603" y="3251596"/>
+            <a:ext cx="7476135" cy="3234264"/>
+          </a:xfrm>
+        </p:spPr>
+        <p:txBody>
+          <a:bodyPr/>
+          <a:lstStyle/>
+          <a:p>
+            <a:pPr marL="285750" indent="-285750">
+              <a:buFont typeface="Arial" panose="020B0604020202020204" pitchFamily="34" charset="0"/>
+              <a:buChar char="•"/>
+            </a:pPr>
+            <a:r>
+              <a:rPr lang="en-US" dirty="0">
+                <a:hlinkClick r:id="rId3"/>
+              </a:rPr>
+              <a:t>Project Book</a:t>
+            </a:r>
+            <a:endParaRPr lang="en-US" dirty="0"/>
+          </a:p>
+          <a:p>
+            <a:pPr marL="285750" indent="-285750">
+              <a:buFont typeface="Arial" panose="020B0604020202020204" pitchFamily="34" charset="0"/>
+              <a:buChar char="•"/>
+            </a:pPr>
+            <a:r>
+              <a:rPr lang="en-US" dirty="0">
+                <a:hlinkClick r:id="rId4"/>
+              </a:rPr>
+              <a:t>our algorithms implementations</a:t>
+            </a:r>
+            <a:endParaRPr lang="en-US" dirty="0"/>
+          </a:p>
+          <a:p>
+            <a:pPr marL="285750" indent="-285750">
+              <a:buFont typeface="Arial" panose="020B0604020202020204" pitchFamily="34" charset="0"/>
+              <a:buChar char="•"/>
+            </a:pPr>
+            <a:r>
+              <a:rPr lang="en-US" dirty="0">
+                <a:hlinkClick r:id="rId5"/>
+              </a:rPr>
+              <a:t>Research Papers</a:t>
+            </a:r>
+            <a:endParaRPr lang="en-IL" dirty="0"/>
+          </a:p>
+        </p:txBody>
+      </p:sp>
+    </p:spTree>
+    <p:extLst>
+      <p:ext uri="{BB962C8B-B14F-4D97-AF65-F5344CB8AC3E}">
+        <p14:creationId xmlns:p14="http://schemas.microsoft.com/office/powerpoint/2010/main" val="937054344"/>
+      </p:ext>
+    </p:extLst>
+  </p:cSld>
+  <p:clrMapOvr>
+    <a:masterClrMapping/>
+  </p:clrMapOvr>
+</p:sld>
+</file>
+
+<file path=ppt/slides/slide37.xml><?xml version="1.0" encoding="utf-8"?>
+<p:sld xmlns:a="http://schemas.openxmlformats.org/drawingml/2006/main" xmlns:r="http://schemas.openxmlformats.org/officeDocument/2006/relationships" xmlns:p="http://schemas.openxmlformats.org/presentationml/2006/main">
+  <p:cSld>
+    <p:spTree>
+      <p:nvGrpSpPr>
+        <p:cNvPr id="1" name=""/>
+        <p:cNvGrpSpPr/>
+        <p:nvPr/>
+      </p:nvGrpSpPr>
+      <p:grpSpPr>
+        <a:xfrm>
+          <a:off x="0" y="0"/>
+          <a:ext cx="0" cy="0"/>
+          <a:chOff x="0" y="0"/>
+          <a:chExt cx="0" cy="0"/>
+        </a:xfrm>
+      </p:grpSpPr>
+      <p:sp>
+        <p:nvSpPr>
+          <p:cNvPr id="2" name="Title 1">
+            <a:extLst>
+              <a:ext uri="{FF2B5EF4-FFF2-40B4-BE49-F238E27FC236}">
                 <a16:creationId xmlns:a16="http://schemas.microsoft.com/office/drawing/2014/main" id="{8BDF1EDE-5423-435C-B149-87AB1BC22B83}"/>
               </a:ext>
             </a:extLst>
@@ -13976,7 +14225,7 @@
             <a:fld id="{A49DFD55-3C28-40EF-9E31-A92D2E4017FF}" type="slidenum">
               <a:rPr lang="en-US" smtClean="0"/>
               <a:pPr/>
-              <a:t>36</a:t>
+              <a:t>37</a:t>
             </a:fld>
             <a:endParaRPr lang="en-US" dirty="0"/>
           </a:p>
@@ -15659,6 +15908,15 @@
 </file>
 
 <file path=customXml/item1.xml><?xml version="1.0" encoding="utf-8"?>
+<?mso-contentType ?>
+<FormTemplates xmlns="http://schemas.microsoft.com/sharepoint/v3/contenttype/forms">
+  <Display>DocumentLibraryForm</Display>
+  <Edit>DocumentLibraryForm</Edit>
+  <New>DocumentLibraryForm</New>
+</FormTemplates>
+</file>
+
+<file path=customXml/item2.xml><?xml version="1.0" encoding="utf-8"?>
 <ct:contentTypeSchema xmlns:ct="http://schemas.microsoft.com/office/2006/metadata/contentType" xmlns:ma="http://schemas.microsoft.com/office/2006/metadata/properties/metaAttributes" ct:_="" ma:_="" ma:contentTypeName="Document" ma:contentTypeID="0x0101007560A0FD360F90459D2059221D7FFA5F" ma:contentTypeVersion="12" ma:contentTypeDescription="Create a new document." ma:contentTypeScope="" ma:versionID="a37ca4040cdda8d4acf385b169896327">
   <xsd:schema xmlns:xsd="http://www.w3.org/2001/XMLSchema" xmlns:xs="http://www.w3.org/2001/XMLSchema" xmlns:p="http://schemas.microsoft.com/office/2006/metadata/properties" xmlns:ns3="0c710b2a-4d39-4336-b742-ccdebd9bc6dc" targetNamespace="http://schemas.microsoft.com/office/2006/metadata/properties" ma:root="true" ma:fieldsID="deb18e1cf2e792596a9afe3628e408a4" ns3:_="">
     <xsd:import namespace="0c710b2a-4d39-4336-b742-ccdebd9bc6dc"/>
@@ -15854,15 +16112,6 @@
 </ct:contentTypeSchema>
 </file>
 
-<file path=customXml/item2.xml><?xml version="1.0" encoding="utf-8"?>
-<?mso-contentType ?>
-<FormTemplates xmlns="http://schemas.microsoft.com/sharepoint/v3/contenttype/forms">
-  <Display>DocumentLibraryForm</Display>
-  <Edit>DocumentLibraryForm</Edit>
-  <New>DocumentLibraryForm</New>
-</FormTemplates>
-</file>
-
 <file path=customXml/item3.xml><?xml version="1.0" encoding="utf-8"?>
 <p:properties xmlns:p="http://schemas.microsoft.com/office/2006/metadata/properties" xmlns:xsi="http://www.w3.org/2001/XMLSchema-instance" xmlns:pc="http://schemas.microsoft.com/office/infopath/2007/PartnerControls">
   <documentManagement>
@@ -15873,6 +16122,14 @@
 </file>
 
 <file path=customXml/itemProps1.xml><?xml version="1.0" encoding="utf-8"?>
+<ds:datastoreItem xmlns:ds="http://schemas.openxmlformats.org/officeDocument/2006/customXml" ds:itemID="{CABF691C-888B-4061-8A6F-D5CE84A0254B}">
+  <ds:schemaRefs>
+    <ds:schemaRef ds:uri="http://schemas.microsoft.com/sharepoint/v3/contenttype/forms"/>
+  </ds:schemaRefs>
+</ds:datastoreItem>
+</file>
+
+<file path=customXml/itemProps2.xml><?xml version="1.0" encoding="utf-8"?>
 <ds:datastoreItem xmlns:ds="http://schemas.openxmlformats.org/officeDocument/2006/customXml" ds:itemID="{ADCBE7DA-C905-42E3-8C54-AC16DAB383A9}">
   <ds:schemaRefs>
     <ds:schemaRef ds:uri="http://schemas.microsoft.com/office/2006/metadata/contentType"/>
@@ -15886,14 +16143,6 @@
     <ds:schemaRef ds:uri="http://purl.org/dc/elements/1.1/"/>
     <ds:schemaRef ds:uri="http://purl.org/dc/terms/"/>
     <ds:schemaRef ds:uri="http://schemas.microsoft.com/internal/obd"/>
-  </ds:schemaRefs>
-</ds:datastoreItem>
-</file>
-
-<file path=customXml/itemProps2.xml><?xml version="1.0" encoding="utf-8"?>
-<ds:datastoreItem xmlns:ds="http://schemas.openxmlformats.org/officeDocument/2006/customXml" ds:itemID="{CABF691C-888B-4061-8A6F-D5CE84A0254B}">
-  <ds:schemaRefs>
-    <ds:schemaRef ds:uri="http://schemas.microsoft.com/sharepoint/v3/contenttype/forms"/>
   </ds:schemaRefs>
 </ds:datastoreItem>
 </file>
